--- a/template.pptx
+++ b/template.pptx
@@ -3337,6 +3337,42 @@
           <a:chExt cx="0" cy="0"/>
         </a:xfrm>
       </p:grpSpPr>
+      <p:sp>
+        <p:nvSpPr>
+          <p:cNvPr id="2" name="TextBox 1">
+            <a:extLst>
+              <a:ext uri="{FF2B5EF4-FFF2-40B4-BE49-F238E27FC236}">
+                <a16:creationId xmlns:a16="http://schemas.microsoft.com/office/drawing/2014/main" id="{CC2539A7-0104-41FE-B64B-E7F850E49940}"/>
+              </a:ext>
+            </a:extLst>
+          </p:cNvPr>
+          <p:cNvSpPr txBox="1"/>
+          <p:nvPr/>
+        </p:nvSpPr>
+        <p:spPr>
+          <a:xfrm>
+            <a:off x="498909" y="365760"/>
+            <a:ext cx="11194181" cy="923330"/>
+          </a:xfrm>
+          <a:prstGeom prst="rect">
+            <a:avLst/>
+          </a:prstGeom>
+          <a:noFill/>
+        </p:spPr>
+        <p:txBody>
+          <a:bodyPr wrap="square" rtlCol="0">
+            <a:spAutoFit/>
+          </a:bodyPr>
+          <a:lstStyle/>
+          <a:p>
+            <a:pPr algn="ctr"/>
+            <a:r>
+              <a:rPr lang="ko-KR" altLang="en-US" sz="5400" b="1" dirty="0"/>
+              <a:t>이곳에 텍스트 입력</a:t>
+            </a:r>
+          </a:p>
+        </p:txBody>
+      </p:sp>
     </p:spTree>
     <p:extLst>
       <p:ext uri="{BB962C8B-B14F-4D97-AF65-F5344CB8AC3E}">
